--- a/Gestion de projet & rapport projet Robot R2D2/docs divers/cahiers des tests.pptx
+++ b/Gestion de projet & rapport projet Robot R2D2/docs divers/cahiers des tests.pptx
@@ -199,7 +199,7 @@
           <a:p>
             <a:fld id="{33589D84-61C4-4B88-AB7D-052D6546558C}" type="datetimeFigureOut">
               <a:rPr lang="fr-FR" smtClean="0"/>
-              <a:t>05/01/2016</a:t>
+              <a:t>23/02/2016</a:t>
             </a:fld>
             <a:endParaRPr lang="fr-FR"/>
           </a:p>
@@ -598,7 +598,7 @@
           <a:p>
             <a:fld id="{5992FC65-3672-427A-AF3F-40285A3B9693}" type="datetimeFigureOut">
               <a:rPr lang="fr-FR" smtClean="0"/>
-              <a:t>05/01/2016</a:t>
+              <a:t>23/02/2016</a:t>
             </a:fld>
             <a:endParaRPr lang="fr-FR"/>
           </a:p>
@@ -768,7 +768,7 @@
           <a:p>
             <a:fld id="{5992FC65-3672-427A-AF3F-40285A3B9693}" type="datetimeFigureOut">
               <a:rPr lang="fr-FR" smtClean="0"/>
-              <a:t>05/01/2016</a:t>
+              <a:t>23/02/2016</a:t>
             </a:fld>
             <a:endParaRPr lang="fr-FR"/>
           </a:p>
@@ -948,7 +948,7 @@
           <a:p>
             <a:fld id="{5992FC65-3672-427A-AF3F-40285A3B9693}" type="datetimeFigureOut">
               <a:rPr lang="fr-FR" smtClean="0"/>
-              <a:t>05/01/2016</a:t>
+              <a:t>23/02/2016</a:t>
             </a:fld>
             <a:endParaRPr lang="fr-FR"/>
           </a:p>
@@ -1118,7 +1118,7 @@
           <a:p>
             <a:fld id="{5992FC65-3672-427A-AF3F-40285A3B9693}" type="datetimeFigureOut">
               <a:rPr lang="fr-FR" smtClean="0"/>
-              <a:t>05/01/2016</a:t>
+              <a:t>23/02/2016</a:t>
             </a:fld>
             <a:endParaRPr lang="fr-FR"/>
           </a:p>
@@ -1364,7 +1364,7 @@
           <a:p>
             <a:fld id="{5992FC65-3672-427A-AF3F-40285A3B9693}" type="datetimeFigureOut">
               <a:rPr lang="fr-FR" smtClean="0"/>
-              <a:t>05/01/2016</a:t>
+              <a:t>23/02/2016</a:t>
             </a:fld>
             <a:endParaRPr lang="fr-FR"/>
           </a:p>
@@ -1596,7 +1596,7 @@
           <a:p>
             <a:fld id="{5992FC65-3672-427A-AF3F-40285A3B9693}" type="datetimeFigureOut">
               <a:rPr lang="fr-FR" smtClean="0"/>
-              <a:t>05/01/2016</a:t>
+              <a:t>23/02/2016</a:t>
             </a:fld>
             <a:endParaRPr lang="fr-FR"/>
           </a:p>
@@ -1963,7 +1963,7 @@
           <a:p>
             <a:fld id="{5992FC65-3672-427A-AF3F-40285A3B9693}" type="datetimeFigureOut">
               <a:rPr lang="fr-FR" smtClean="0"/>
-              <a:t>05/01/2016</a:t>
+              <a:t>23/02/2016</a:t>
             </a:fld>
             <a:endParaRPr lang="fr-FR"/>
           </a:p>
@@ -2081,7 +2081,7 @@
           <a:p>
             <a:fld id="{5992FC65-3672-427A-AF3F-40285A3B9693}" type="datetimeFigureOut">
               <a:rPr lang="fr-FR" smtClean="0"/>
-              <a:t>05/01/2016</a:t>
+              <a:t>23/02/2016</a:t>
             </a:fld>
             <a:endParaRPr lang="fr-FR"/>
           </a:p>
@@ -2176,7 +2176,7 @@
           <a:p>
             <a:fld id="{5992FC65-3672-427A-AF3F-40285A3B9693}" type="datetimeFigureOut">
               <a:rPr lang="fr-FR" smtClean="0"/>
-              <a:t>05/01/2016</a:t>
+              <a:t>23/02/2016</a:t>
             </a:fld>
             <a:endParaRPr lang="fr-FR"/>
           </a:p>
@@ -2453,7 +2453,7 @@
           <a:p>
             <a:fld id="{5992FC65-3672-427A-AF3F-40285A3B9693}" type="datetimeFigureOut">
               <a:rPr lang="fr-FR" smtClean="0"/>
-              <a:t>05/01/2016</a:t>
+              <a:t>23/02/2016</a:t>
             </a:fld>
             <a:endParaRPr lang="fr-FR"/>
           </a:p>
@@ -2706,7 +2706,7 @@
           <a:p>
             <a:fld id="{5992FC65-3672-427A-AF3F-40285A3B9693}" type="datetimeFigureOut">
               <a:rPr lang="fr-FR" smtClean="0"/>
-              <a:t>05/01/2016</a:t>
+              <a:t>23/02/2016</a:t>
             </a:fld>
             <a:endParaRPr lang="fr-FR"/>
           </a:p>
@@ -2919,7 +2919,7 @@
           <a:p>
             <a:fld id="{5992FC65-3672-427A-AF3F-40285A3B9693}" type="datetimeFigureOut">
               <a:rPr lang="fr-FR" smtClean="0"/>
-              <a:t>05/01/2016</a:t>
+              <a:t>23/02/2016</a:t>
             </a:fld>
             <a:endParaRPr lang="fr-FR"/>
           </a:p>
@@ -3333,7 +3333,7 @@
           <p:nvPr>
             <p:extLst>
               <p:ext uri="{D42A27DB-BD31-4B8C-83A1-F6EECF244321}">
-                <p14:modId xmlns:p14="http://schemas.microsoft.com/office/powerpoint/2010/main" val="2071985943"/>
+                <p14:modId xmlns:p14="http://schemas.microsoft.com/office/powerpoint/2010/main" val="2899161838"/>
               </p:ext>
             </p:extLst>
           </p:nvPr>
@@ -3389,11 +3389,7 @@
                       <a:pPr algn="ctr"/>
                       <a:r>
                         <a:rPr lang="fr-FR" sz="4400" dirty="0" smtClean="0"/>
-                        <a:t>Test </a:t>
-                      </a:r>
-                      <a:r>
-                        <a:rPr lang="fr-FR" sz="4400" dirty="0" smtClean="0"/>
-                        <a:t>du déclenchement du moteur</a:t>
+                        <a:t>Test du déclenchement du moteur</a:t>
                       </a:r>
                       <a:endParaRPr lang="fr-FR" sz="4400" dirty="0"/>
                     </a:p>
@@ -3460,11 +3456,7 @@
                       </a:r>
                       <a:r>
                         <a:rPr lang="fr-FR" sz="3200" baseline="0" dirty="0" smtClean="0"/>
-                        <a:t> ont bien été prévus </a:t>
-                      </a:r>
-                      <a:r>
-                        <a:rPr lang="fr-FR" sz="3200" baseline="0" dirty="0" smtClean="0"/>
-                        <a:t>et que le moteur est bien déclenché à la bonne intensité à la réception de la commande</a:t>
+                        <a:t> ont bien été prévus et que le moteur est bien déclenché à la bonne intensité à la réception de la commande</a:t>
                       </a:r>
                       <a:endParaRPr lang="fr-FR" sz="3200" dirty="0"/>
                     </a:p>
@@ -3597,7 +3589,7 @@
                     <a:p>
                       <a:pPr algn="ctr"/>
                       <a:r>
-                        <a:rPr lang="fr-FR" sz="3200" dirty="0" err="1" smtClean="0"/>
+                        <a:rPr lang="fr-FR" sz="3200" dirty="0" smtClean="0"/>
                         <a:t>Commande.c</a:t>
                       </a:r>
                       <a:endParaRPr lang="fr-FR" sz="3200" dirty="0"/>
@@ -3661,7 +3653,7 @@
                     <a:p>
                       <a:pPr algn="ctr"/>
                       <a:r>
-                        <a:rPr lang="fr-FR" sz="3200" dirty="0" err="1" smtClean="0"/>
+                        <a:rPr lang="fr-FR" sz="3200" dirty="0" smtClean="0"/>
                         <a:t>Debian,gcc</a:t>
                       </a:r>
                       <a:endParaRPr lang="fr-FR" sz="3200" dirty="0"/>
@@ -3829,11 +3821,7 @@
                       <a:pPr algn="ctr"/>
                       <a:r>
                         <a:rPr lang="fr-FR" dirty="0" smtClean="0"/>
-                        <a:t>Déclenchement des deux moteurs vers l’avant à </a:t>
-                      </a:r>
-                      <a:r>
-                        <a:rPr lang="fr-FR" dirty="0" err="1" smtClean="0"/>
-                        <a:t>mi-intensité</a:t>
+                        <a:t>Déclenchement des deux moteurs vers l’avant à mi-intensité</a:t>
                       </a:r>
                       <a:endParaRPr lang="fr-FR" dirty="0"/>
                     </a:p>
@@ -3884,11 +3872,7 @@
                       </a:r>
                       <a:r>
                         <a:rPr lang="fr-FR" dirty="0" smtClean="0"/>
-                        <a:t> deux nombres entiers </a:t>
-                      </a:r>
-                      <a:r>
-                        <a:rPr lang="fr-FR" dirty="0" smtClean="0"/>
-                        <a:t>positifs différents supérieurs</a:t>
+                        <a:t> deux nombres entiers positifs différents supérieurs</a:t>
                       </a:r>
                       <a:r>
                         <a:rPr lang="fr-FR" baseline="0" dirty="0" smtClean="0"/>
@@ -3977,11 +3961,7 @@
                       </a:r>
                       <a:r>
                         <a:rPr lang="fr-FR" dirty="0" smtClean="0"/>
-                        <a:t> deux nombres entiers </a:t>
-                      </a:r>
-                      <a:r>
-                        <a:rPr lang="fr-FR" dirty="0" smtClean="0"/>
-                        <a:t>positifs différents inférieurs à 128</a:t>
+                        <a:t> deux nombres entiers positifs différents inférieurs à 128</a:t>
                       </a:r>
                       <a:endParaRPr lang="fr-FR" dirty="0"/>
                     </a:p>
@@ -4066,11 +4046,7 @@
                       </a:r>
                       <a:r>
                         <a:rPr lang="fr-FR" dirty="0" smtClean="0"/>
-                        <a:t> </a:t>
-                      </a:r>
-                      <a:r>
-                        <a:rPr lang="fr-FR" dirty="0" smtClean="0"/>
-                        <a:t>deux fois le</a:t>
+                        <a:t> deux fois le</a:t>
                       </a:r>
                       <a:r>
                         <a:rPr lang="fr-FR" baseline="0" dirty="0" smtClean="0"/>
@@ -4340,7 +4316,7 @@
           <p:nvPr>
             <p:extLst>
               <p:ext uri="{D42A27DB-BD31-4B8C-83A1-F6EECF244321}">
-                <p14:modId xmlns:p14="http://schemas.microsoft.com/office/powerpoint/2010/main" val="2406049448"/>
+                <p14:modId xmlns:p14="http://schemas.microsoft.com/office/powerpoint/2010/main" val="4288936688"/>
               </p:ext>
             </p:extLst>
           </p:nvPr>
@@ -4396,11 +4372,7 @@
                       <a:pPr algn="ctr"/>
                       <a:r>
                         <a:rPr lang="fr-FR" sz="4400" dirty="0" smtClean="0"/>
-                        <a:t>Test </a:t>
-                      </a:r>
-                      <a:r>
-                        <a:rPr lang="fr-FR" sz="4400" dirty="0" smtClean="0"/>
-                        <a:t>de réception des</a:t>
+                        <a:t>Test de réception des</a:t>
                       </a:r>
                       <a:r>
                         <a:rPr lang="fr-FR" sz="4400" baseline="0" dirty="0" smtClean="0"/>
@@ -4467,11 +4439,7 @@
                       <a:pPr algn="ctr"/>
                       <a:r>
                         <a:rPr lang="fr-FR" sz="3200" dirty="0" smtClean="0"/>
-                        <a:t>Vérifier que </a:t>
-                      </a:r>
-                      <a:r>
-                        <a:rPr lang="fr-FR" sz="3200" dirty="0" smtClean="0"/>
-                        <a:t>les commandes</a:t>
+                        <a:t>Vérifier que les commandes</a:t>
                       </a:r>
                       <a:r>
                         <a:rPr lang="fr-FR" sz="3200" baseline="0" dirty="0" smtClean="0"/>
@@ -4608,7 +4576,7 @@
                     <a:p>
                       <a:pPr algn="ctr"/>
                       <a:r>
-                        <a:rPr lang="fr-FR" sz="3200" dirty="0" err="1" smtClean="0"/>
+                        <a:rPr lang="fr-FR" sz="3200" dirty="0" smtClean="0"/>
                         <a:t>reception.c</a:t>
                       </a:r>
                       <a:endParaRPr lang="fr-FR" sz="3200" dirty="0"/>
@@ -4672,7 +4640,7 @@
                     <a:p>
                       <a:pPr algn="ctr"/>
                       <a:r>
-                        <a:rPr lang="fr-FR" sz="3200" dirty="0" err="1" smtClean="0"/>
+                        <a:rPr lang="fr-FR" sz="3200" dirty="0" smtClean="0"/>
                         <a:t>Debian,gcc</a:t>
                       </a:r>
                       <a:endParaRPr lang="fr-FR" sz="3200" dirty="0"/>
@@ -4847,8 +4815,8 @@
                         <a:t> mode de fonctionnement du </a:t>
                       </a:r>
                       <a:r>
-                        <a:rPr lang="fr-FR" baseline="0" dirty="0" err="1" smtClean="0"/>
-                        <a:t>controleur</a:t>
+                        <a:rPr lang="fr-FR" baseline="0" dirty="0" smtClean="0"/>
+                        <a:t>contrôleur</a:t>
                       </a:r>
                       <a:endParaRPr lang="fr-FR" dirty="0"/>
                     </a:p>
@@ -5298,11 +5266,7 @@
                       <a:pPr algn="ctr"/>
                       <a:r>
                         <a:rPr lang="fr-FR" sz="4400" dirty="0" smtClean="0"/>
-                        <a:t>Test </a:t>
-                      </a:r>
-                      <a:r>
-                        <a:rPr lang="fr-FR" sz="4400" dirty="0" smtClean="0"/>
-                        <a:t>d’envoi des</a:t>
+                        <a:t>Test d’envoi des</a:t>
                       </a:r>
                       <a:r>
                         <a:rPr lang="fr-FR" sz="4400" baseline="0" dirty="0" smtClean="0"/>
@@ -5369,11 +5333,7 @@
                       <a:pPr algn="ctr"/>
                       <a:r>
                         <a:rPr lang="fr-FR" sz="3200" dirty="0" smtClean="0"/>
-                        <a:t>Vérifier que </a:t>
-                      </a:r>
-                      <a:r>
-                        <a:rPr lang="fr-FR" sz="3200" dirty="0" smtClean="0"/>
-                        <a:t>les commandes</a:t>
+                        <a:t>Vérifier que les commandes</a:t>
                       </a:r>
                       <a:r>
                         <a:rPr lang="fr-FR" sz="3200" baseline="0" dirty="0" smtClean="0"/>
@@ -5510,7 +5470,7 @@
                     <a:p>
                       <a:pPr algn="ctr"/>
                       <a:r>
-                        <a:rPr lang="fr-FR" sz="3200" dirty="0" err="1" smtClean="0"/>
+                        <a:rPr lang="fr-FR" sz="3200" dirty="0" smtClean="0"/>
                         <a:t>transmission.c</a:t>
                       </a:r>
                       <a:endParaRPr lang="fr-FR" sz="3200" dirty="0"/>
@@ -5574,7 +5534,7 @@
                     <a:p>
                       <a:pPr algn="ctr"/>
                       <a:r>
-                        <a:rPr lang="fr-FR" sz="3200" dirty="0" err="1" smtClean="0"/>
+                        <a:rPr lang="fr-FR" sz="3200" dirty="0" smtClean="0"/>
                         <a:t>Debian,gcc</a:t>
                       </a:r>
                       <a:endParaRPr lang="fr-FR" sz="3200" dirty="0"/>
@@ -5742,11 +5702,7 @@
                       <a:pPr algn="ctr"/>
                       <a:r>
                         <a:rPr lang="fr-FR" dirty="0" smtClean="0"/>
-                        <a:t>Récupération de 0x2b sur le </a:t>
-                      </a:r>
-                      <a:r>
-                        <a:rPr lang="fr-FR" dirty="0" err="1" smtClean="0"/>
-                        <a:t>scanalogic</a:t>
+                        <a:t>Récupération de 0x2b sur le scanalogic</a:t>
                       </a:r>
                       <a:endParaRPr lang="fr-FR" dirty="0"/>
                     </a:p>
@@ -5827,11 +5783,7 @@
                       <a:pPr algn="ctr"/>
                       <a:r>
                         <a:rPr lang="fr-FR" dirty="0" smtClean="0"/>
-                        <a:t>Récupération de 0x21 sur le </a:t>
-                      </a:r>
-                      <a:r>
-                        <a:rPr lang="fr-FR" dirty="0" err="1" smtClean="0"/>
-                        <a:t>scanalogic</a:t>
+                        <a:t>Récupération de 0x21 sur le scanalogic</a:t>
                       </a:r>
                       <a:endParaRPr lang="fr-FR" dirty="0"/>
                     </a:p>
@@ -5920,11 +5872,7 @@
                       </a:r>
                       <a:r>
                         <a:rPr lang="fr-FR" dirty="0" smtClean="0"/>
-                        <a:t> sur le </a:t>
-                      </a:r>
-                      <a:r>
-                        <a:rPr lang="fr-FR" dirty="0" err="1" smtClean="0"/>
-                        <a:t>scanalogic</a:t>
+                        <a:t> sur le scanalogic</a:t>
                       </a:r>
                       <a:endParaRPr lang="fr-FR" dirty="0"/>
                     </a:p>
@@ -6005,11 +5953,7 @@
                       <a:pPr algn="ctr"/>
                       <a:r>
                         <a:rPr lang="fr-FR" dirty="0" smtClean="0"/>
-                        <a:t>Récupération de 0x22 sur le </a:t>
-                      </a:r>
-                      <a:r>
-                        <a:rPr lang="fr-FR" dirty="0" err="1" smtClean="0"/>
-                        <a:t>scanalogic</a:t>
+                        <a:t>Récupération de 0x22 sur le scanalogic</a:t>
                       </a:r>
                       <a:endParaRPr lang="fr-FR" dirty="0"/>
                     </a:p>
@@ -6098,11 +6042,7 @@
                       </a:r>
                       <a:r>
                         <a:rPr lang="fr-FR" dirty="0" smtClean="0"/>
-                        <a:t> sur le </a:t>
-                      </a:r>
-                      <a:r>
-                        <a:rPr lang="fr-FR" dirty="0" err="1" smtClean="0"/>
-                        <a:t>scanalogic</a:t>
+                        <a:t> sur le scanalogic</a:t>
                       </a:r>
                       <a:endParaRPr lang="fr-FR" dirty="0"/>
                     </a:p>
